--- a/Presentations/WHAM_28Sept2023.pptx
+++ b/Presentations/WHAM_28Sept2023.pptx
@@ -7,11 +7,13 @@
   <p:sldIdLst>
     <p:sldId id="256" r:id="rId2"/>
     <p:sldId id="374" r:id="rId3"/>
-    <p:sldId id="300" r:id="rId4"/>
-    <p:sldId id="372" r:id="rId5"/>
-    <p:sldId id="373" r:id="rId6"/>
-    <p:sldId id="301" r:id="rId7"/>
-    <p:sldId id="367" r:id="rId8"/>
+    <p:sldId id="375" r:id="rId4"/>
+    <p:sldId id="376" r:id="rId5"/>
+    <p:sldId id="300" r:id="rId6"/>
+    <p:sldId id="372" r:id="rId7"/>
+    <p:sldId id="373" r:id="rId8"/>
+    <p:sldId id="301" r:id="rId9"/>
+    <p:sldId id="367" r:id="rId10"/>
   </p:sldIdLst>
   <p:sldSz cx="12192000" cy="6858000"/>
   <p:notesSz cx="6858000" cy="9144000"/>
@@ -2999,11 +3001,7 @@
             </a:br>
             <a:r>
               <a:rPr lang="en-US" sz="3200" dirty="0" smtClean="0"/>
-              <a:t>28 </a:t>
-            </a:r>
-            <a:r>
-              <a:rPr lang="en-US" sz="3200" dirty="0" smtClean="0"/>
-              <a:t>Sept</a:t>
+              <a:t>28 Sept</a:t>
             </a:r>
             <a:endParaRPr lang="en-US" sz="3200" dirty="0"/>
           </a:p>
@@ -3142,8 +3140,13 @@
             <a:pPr lvl="2"/>
             <a:r>
               <a:rPr lang="en-US" sz="2200" dirty="0" smtClean="0"/>
-              <a:t>South = logistic selectivity</a:t>
-            </a:r>
+              <a:t>South = logistic </a:t>
+            </a:r>
+            <a:r>
+              <a:rPr lang="en-US" sz="2200" dirty="0" smtClean="0"/>
+              <a:t>selectivity for both commercial and recreational</a:t>
+            </a:r>
+            <a:endParaRPr lang="en-US" sz="2200" dirty="0" smtClean="0"/>
           </a:p>
           <a:p>
             <a:pPr lvl="1"/>
@@ -3193,7 +3196,6 @@
               <a:rPr lang="en-US" sz="2200" dirty="0" smtClean="0"/>
               <a:t>VAST: logistic</a:t>
             </a:r>
-            <a:endParaRPr lang="en-US" sz="2200" dirty="0" smtClean="0"/>
           </a:p>
           <a:p>
             <a:endParaRPr lang="en-US" sz="2200" dirty="0"/>
@@ -3247,6 +3249,1145 @@
             <p:ph type="title"/>
           </p:nvPr>
         </p:nvSpPr>
+        <p:spPr/>
+        <p:txBody>
+          <a:bodyPr/>
+          <a:lstStyle/>
+          <a:p>
+            <a:r>
+              <a:rPr lang="en-US" dirty="0" smtClean="0"/>
+              <a:t>New movement configuration</a:t>
+            </a:r>
+            <a:endParaRPr lang="en-US" dirty="0"/>
+          </a:p>
+        </p:txBody>
+      </p:sp>
+      <p:pic>
+        <p:nvPicPr>
+          <p:cNvPr id="4" name="Content Placeholder 3"/>
+          <p:cNvPicPr>
+            <a:picLocks noGrp="1" noChangeAspect="1"/>
+          </p:cNvPicPr>
+          <p:nvPr>
+            <p:ph idx="1"/>
+          </p:nvPr>
+        </p:nvPicPr>
+        <p:blipFill>
+          <a:blip r:embed="rId2">
+            <a:extLst>
+              <a:ext uri="{28A0092B-C50C-407E-A947-70E740481C1C}">
+                <a14:useLocalDpi xmlns:a14="http://schemas.microsoft.com/office/drawing/2010/main" val="0"/>
+              </a:ext>
+            </a:extLst>
+          </a:blip>
+          <a:stretch>
+            <a:fillRect/>
+          </a:stretch>
+        </p:blipFill>
+        <p:spPr>
+          <a:xfrm>
+            <a:off x="1961949" y="1564505"/>
+            <a:ext cx="8219975" cy="2531444"/>
+          </a:xfrm>
+        </p:spPr>
+      </p:pic>
+      <p:sp>
+        <p:nvSpPr>
+          <p:cNvPr id="5" name="Content Placeholder 2"/>
+          <p:cNvSpPr txBox="1">
+            <a:spLocks/>
+          </p:cNvSpPr>
+          <p:nvPr/>
+        </p:nvSpPr>
+        <p:spPr>
+          <a:xfrm>
+            <a:off x="838199" y="4178968"/>
+            <a:ext cx="10840453" cy="2687054"/>
+          </a:xfrm>
+          <a:prstGeom prst="rect">
+            <a:avLst/>
+          </a:prstGeom>
+        </p:spPr>
+        <p:txBody>
+          <a:bodyPr vert="horz" lIns="91440" tIns="45720" rIns="91440" bIns="45720" rtlCol="0">
+            <a:noAutofit/>
+          </a:bodyPr>
+          <a:lstStyle>
+            <a:lvl1pPr marL="228600" indent="-228600" algn="l" defTabSz="914400" rtl="0" eaLnBrk="1" latinLnBrk="0" hangingPunct="1">
+              <a:lnSpc>
+                <a:spcPct val="90000"/>
+              </a:lnSpc>
+              <a:spcBef>
+                <a:spcPts val="1000"/>
+              </a:spcBef>
+              <a:buFont typeface="Arial" panose="020B0604020202020204" pitchFamily="34" charset="0"/>
+              <a:buChar char="•"/>
+              <a:defRPr sz="2800" kern="1200">
+                <a:solidFill>
+                  <a:schemeClr val="tx1"/>
+                </a:solidFill>
+                <a:latin typeface="+mn-lt"/>
+                <a:ea typeface="+mn-ea"/>
+                <a:cs typeface="+mn-cs"/>
+              </a:defRPr>
+            </a:lvl1pPr>
+            <a:lvl2pPr marL="685800" indent="-228600" algn="l" defTabSz="914400" rtl="0" eaLnBrk="1" latinLnBrk="0" hangingPunct="1">
+              <a:lnSpc>
+                <a:spcPct val="90000"/>
+              </a:lnSpc>
+              <a:spcBef>
+                <a:spcPts val="500"/>
+              </a:spcBef>
+              <a:buFont typeface="Arial" panose="020B0604020202020204" pitchFamily="34" charset="0"/>
+              <a:buChar char="•"/>
+              <a:defRPr sz="2400" kern="1200">
+                <a:solidFill>
+                  <a:schemeClr val="tx1"/>
+                </a:solidFill>
+                <a:latin typeface="+mn-lt"/>
+                <a:ea typeface="+mn-ea"/>
+                <a:cs typeface="+mn-cs"/>
+              </a:defRPr>
+            </a:lvl2pPr>
+            <a:lvl3pPr marL="1143000" indent="-228600" algn="l" defTabSz="914400" rtl="0" eaLnBrk="1" latinLnBrk="0" hangingPunct="1">
+              <a:lnSpc>
+                <a:spcPct val="90000"/>
+              </a:lnSpc>
+              <a:spcBef>
+                <a:spcPts val="500"/>
+              </a:spcBef>
+              <a:buFont typeface="Arial" panose="020B0604020202020204" pitchFamily="34" charset="0"/>
+              <a:buChar char="•"/>
+              <a:defRPr sz="2000" kern="1200">
+                <a:solidFill>
+                  <a:schemeClr val="tx1"/>
+                </a:solidFill>
+                <a:latin typeface="+mn-lt"/>
+                <a:ea typeface="+mn-ea"/>
+                <a:cs typeface="+mn-cs"/>
+              </a:defRPr>
+            </a:lvl3pPr>
+            <a:lvl4pPr marL="1600200" indent="-228600" algn="l" defTabSz="914400" rtl="0" eaLnBrk="1" latinLnBrk="0" hangingPunct="1">
+              <a:lnSpc>
+                <a:spcPct val="90000"/>
+              </a:lnSpc>
+              <a:spcBef>
+                <a:spcPts val="500"/>
+              </a:spcBef>
+              <a:buFont typeface="Arial" panose="020B0604020202020204" pitchFamily="34" charset="0"/>
+              <a:buChar char="•"/>
+              <a:defRPr sz="1800" kern="1200">
+                <a:solidFill>
+                  <a:schemeClr val="tx1"/>
+                </a:solidFill>
+                <a:latin typeface="+mn-lt"/>
+                <a:ea typeface="+mn-ea"/>
+                <a:cs typeface="+mn-cs"/>
+              </a:defRPr>
+            </a:lvl4pPr>
+            <a:lvl5pPr marL="2057400" indent="-228600" algn="l" defTabSz="914400" rtl="0" eaLnBrk="1" latinLnBrk="0" hangingPunct="1">
+              <a:lnSpc>
+                <a:spcPct val="90000"/>
+              </a:lnSpc>
+              <a:spcBef>
+                <a:spcPts val="500"/>
+              </a:spcBef>
+              <a:buFont typeface="Arial" panose="020B0604020202020204" pitchFamily="34" charset="0"/>
+              <a:buChar char="•"/>
+              <a:defRPr sz="1800" kern="1200">
+                <a:solidFill>
+                  <a:schemeClr val="tx1"/>
+                </a:solidFill>
+                <a:latin typeface="+mn-lt"/>
+                <a:ea typeface="+mn-ea"/>
+                <a:cs typeface="+mn-cs"/>
+              </a:defRPr>
+            </a:lvl5pPr>
+            <a:lvl6pPr marL="2514600" indent="-228600" algn="l" defTabSz="914400" rtl="0" eaLnBrk="1" latinLnBrk="0" hangingPunct="1">
+              <a:lnSpc>
+                <a:spcPct val="90000"/>
+              </a:lnSpc>
+              <a:spcBef>
+                <a:spcPts val="500"/>
+              </a:spcBef>
+              <a:buFont typeface="Arial" panose="020B0604020202020204" pitchFamily="34" charset="0"/>
+              <a:buChar char="•"/>
+              <a:defRPr sz="1800" kern="1200">
+                <a:solidFill>
+                  <a:schemeClr val="tx1"/>
+                </a:solidFill>
+                <a:latin typeface="+mn-lt"/>
+                <a:ea typeface="+mn-ea"/>
+                <a:cs typeface="+mn-cs"/>
+              </a:defRPr>
+            </a:lvl6pPr>
+            <a:lvl7pPr marL="2971800" indent="-228600" algn="l" defTabSz="914400" rtl="0" eaLnBrk="1" latinLnBrk="0" hangingPunct="1">
+              <a:lnSpc>
+                <a:spcPct val="90000"/>
+              </a:lnSpc>
+              <a:spcBef>
+                <a:spcPts val="500"/>
+              </a:spcBef>
+              <a:buFont typeface="Arial" panose="020B0604020202020204" pitchFamily="34" charset="0"/>
+              <a:buChar char="•"/>
+              <a:defRPr sz="1800" kern="1200">
+                <a:solidFill>
+                  <a:schemeClr val="tx1"/>
+                </a:solidFill>
+                <a:latin typeface="+mn-lt"/>
+                <a:ea typeface="+mn-ea"/>
+                <a:cs typeface="+mn-cs"/>
+              </a:defRPr>
+            </a:lvl7pPr>
+            <a:lvl8pPr marL="3429000" indent="-228600" algn="l" defTabSz="914400" rtl="0" eaLnBrk="1" latinLnBrk="0" hangingPunct="1">
+              <a:lnSpc>
+                <a:spcPct val="90000"/>
+              </a:lnSpc>
+              <a:spcBef>
+                <a:spcPts val="500"/>
+              </a:spcBef>
+              <a:buFont typeface="Arial" panose="020B0604020202020204" pitchFamily="34" charset="0"/>
+              <a:buChar char="•"/>
+              <a:defRPr sz="1800" kern="1200">
+                <a:solidFill>
+                  <a:schemeClr val="tx1"/>
+                </a:solidFill>
+                <a:latin typeface="+mn-lt"/>
+                <a:ea typeface="+mn-ea"/>
+                <a:cs typeface="+mn-cs"/>
+              </a:defRPr>
+            </a:lvl8pPr>
+            <a:lvl9pPr marL="3886200" indent="-228600" algn="l" defTabSz="914400" rtl="0" eaLnBrk="1" latinLnBrk="0" hangingPunct="1">
+              <a:lnSpc>
+                <a:spcPct val="90000"/>
+              </a:lnSpc>
+              <a:spcBef>
+                <a:spcPts val="500"/>
+              </a:spcBef>
+              <a:buFont typeface="Arial" panose="020B0604020202020204" pitchFamily="34" charset="0"/>
+              <a:buChar char="•"/>
+              <a:defRPr sz="1800" kern="1200">
+                <a:solidFill>
+                  <a:schemeClr val="tx1"/>
+                </a:solidFill>
+                <a:latin typeface="+mn-lt"/>
+                <a:ea typeface="+mn-ea"/>
+                <a:cs typeface="+mn-cs"/>
+              </a:defRPr>
+            </a:lvl9pPr>
+          </a:lstStyle>
+          <a:p>
+            <a:r>
+              <a:rPr lang="en-US" sz="2200" dirty="0" smtClean="0"/>
+              <a:t>Realized I was not configuring movement from south to north as I had thought</a:t>
+            </a:r>
+          </a:p>
+          <a:p>
+            <a:r>
+              <a:rPr lang="en-US" sz="2200" dirty="0" smtClean="0"/>
+              <a:t>Now, for August-December North fish move from north to south only (no movement from south to north) (parameter 1)</a:t>
+            </a:r>
+          </a:p>
+          <a:p>
+            <a:r>
+              <a:rPr lang="en-US" sz="2200" dirty="0" smtClean="0"/>
+              <a:t>For January-April, North fish in the south move north only (no movement from north to south) (parameter 2)</a:t>
+            </a:r>
+          </a:p>
+          <a:p>
+            <a:pPr marL="457200" lvl="1" indent="0">
+              <a:buFont typeface="Arial" panose="020B0604020202020204" pitchFamily="34" charset="0"/>
+              <a:buNone/>
+            </a:pPr>
+            <a:endParaRPr lang="en-US" sz="2200" dirty="0" smtClean="0"/>
+          </a:p>
+          <a:p>
+            <a:pPr marL="457200" lvl="1" indent="0">
+              <a:buFont typeface="Arial" panose="020B0604020202020204" pitchFamily="34" charset="0"/>
+              <a:buNone/>
+            </a:pPr>
+            <a:endParaRPr lang="en-US" sz="2200" dirty="0" smtClean="0"/>
+          </a:p>
+          <a:p>
+            <a:endParaRPr lang="en-US" sz="2200" dirty="0" smtClean="0"/>
+          </a:p>
+          <a:p>
+            <a:endParaRPr lang="en-US" sz="2200" dirty="0" smtClean="0"/>
+          </a:p>
+          <a:p>
+            <a:endParaRPr lang="en-US" sz="2200" dirty="0"/>
+          </a:p>
+        </p:txBody>
+      </p:sp>
+    </p:spTree>
+    <p:extLst>
+      <p:ext uri="{BB962C8B-B14F-4D97-AF65-F5344CB8AC3E}">
+        <p14:creationId xmlns:p14="http://schemas.microsoft.com/office/powerpoint/2010/main" val="665606253"/>
+      </p:ext>
+    </p:extLst>
+  </p:cSld>
+  <p:clrMapOvr>
+    <a:masterClrMapping/>
+  </p:clrMapOvr>
+</p:sld>
+</file>
+
+<file path=ppt/slides/slide4.xml><?xml version="1.0" encoding="utf-8"?>
+<p:sld xmlns:a="http://schemas.openxmlformats.org/drawingml/2006/main" xmlns:r="http://schemas.openxmlformats.org/officeDocument/2006/relationships" xmlns:p="http://schemas.openxmlformats.org/presentationml/2006/main">
+  <p:cSld>
+    <p:spTree>
+      <p:nvGrpSpPr>
+        <p:cNvPr id="1" name=""/>
+        <p:cNvGrpSpPr/>
+        <p:nvPr/>
+      </p:nvGrpSpPr>
+      <p:grpSpPr>
+        <a:xfrm>
+          <a:off x="0" y="0"/>
+          <a:ext cx="0" cy="0"/>
+          <a:chOff x="0" y="0"/>
+          <a:chExt cx="0" cy="0"/>
+        </a:xfrm>
+      </p:grpSpPr>
+      <p:sp>
+        <p:nvSpPr>
+          <p:cNvPr id="2" name="Title 1"/>
+          <p:cNvSpPr>
+            <a:spLocks noGrp="1"/>
+          </p:cNvSpPr>
+          <p:nvPr>
+            <p:ph type="title"/>
+          </p:nvPr>
+        </p:nvSpPr>
+        <p:spPr/>
+        <p:txBody>
+          <a:bodyPr/>
+          <a:lstStyle/>
+          <a:p>
+            <a:r>
+              <a:rPr lang="en-US" dirty="0" smtClean="0"/>
+              <a:t>New movement configuration</a:t>
+            </a:r>
+            <a:endParaRPr lang="en-US" dirty="0"/>
+          </a:p>
+        </p:txBody>
+      </p:sp>
+      <mc:AlternateContent xmlns:mc="http://schemas.openxmlformats.org/markup-compatibility/2006">
+        <mc:Choice xmlns:a14="http://schemas.microsoft.com/office/drawing/2010/main" Requires="a14">
+          <p:sp>
+            <p:nvSpPr>
+              <p:cNvPr id="5" name="Content Placeholder 2"/>
+              <p:cNvSpPr txBox="1">
+                <a:spLocks/>
+              </p:cNvSpPr>
+              <p:nvPr/>
+            </p:nvSpPr>
+            <p:spPr>
+              <a:xfrm>
+                <a:off x="838199" y="1748593"/>
+                <a:ext cx="10840453" cy="2687054"/>
+              </a:xfrm>
+              <a:prstGeom prst="rect">
+                <a:avLst/>
+              </a:prstGeom>
+            </p:spPr>
+            <p:txBody>
+              <a:bodyPr vert="horz" lIns="91440" tIns="45720" rIns="91440" bIns="45720" rtlCol="0">
+                <a:noAutofit/>
+              </a:bodyPr>
+              <a:lstStyle>
+                <a:lvl1pPr marL="228600" indent="-228600" algn="l" defTabSz="914400" rtl="0" eaLnBrk="1" latinLnBrk="0" hangingPunct="1">
+                  <a:lnSpc>
+                    <a:spcPct val="90000"/>
+                  </a:lnSpc>
+                  <a:spcBef>
+                    <a:spcPts val="1000"/>
+                  </a:spcBef>
+                  <a:buFont typeface="Arial" panose="020B0604020202020204" pitchFamily="34" charset="0"/>
+                  <a:buChar char="•"/>
+                  <a:defRPr sz="2800" kern="1200">
+                    <a:solidFill>
+                      <a:schemeClr val="tx1"/>
+                    </a:solidFill>
+                    <a:latin typeface="+mn-lt"/>
+                    <a:ea typeface="+mn-ea"/>
+                    <a:cs typeface="+mn-cs"/>
+                  </a:defRPr>
+                </a:lvl1pPr>
+                <a:lvl2pPr marL="685800" indent="-228600" algn="l" defTabSz="914400" rtl="0" eaLnBrk="1" latinLnBrk="0" hangingPunct="1">
+                  <a:lnSpc>
+                    <a:spcPct val="90000"/>
+                  </a:lnSpc>
+                  <a:spcBef>
+                    <a:spcPts val="500"/>
+                  </a:spcBef>
+                  <a:buFont typeface="Arial" panose="020B0604020202020204" pitchFamily="34" charset="0"/>
+                  <a:buChar char="•"/>
+                  <a:defRPr sz="2400" kern="1200">
+                    <a:solidFill>
+                      <a:schemeClr val="tx1"/>
+                    </a:solidFill>
+                    <a:latin typeface="+mn-lt"/>
+                    <a:ea typeface="+mn-ea"/>
+                    <a:cs typeface="+mn-cs"/>
+                  </a:defRPr>
+                </a:lvl2pPr>
+                <a:lvl3pPr marL="1143000" indent="-228600" algn="l" defTabSz="914400" rtl="0" eaLnBrk="1" latinLnBrk="0" hangingPunct="1">
+                  <a:lnSpc>
+                    <a:spcPct val="90000"/>
+                  </a:lnSpc>
+                  <a:spcBef>
+                    <a:spcPts val="500"/>
+                  </a:spcBef>
+                  <a:buFont typeface="Arial" panose="020B0604020202020204" pitchFamily="34" charset="0"/>
+                  <a:buChar char="•"/>
+                  <a:defRPr sz="2000" kern="1200">
+                    <a:solidFill>
+                      <a:schemeClr val="tx1"/>
+                    </a:solidFill>
+                    <a:latin typeface="+mn-lt"/>
+                    <a:ea typeface="+mn-ea"/>
+                    <a:cs typeface="+mn-cs"/>
+                  </a:defRPr>
+                </a:lvl3pPr>
+                <a:lvl4pPr marL="1600200" indent="-228600" algn="l" defTabSz="914400" rtl="0" eaLnBrk="1" latinLnBrk="0" hangingPunct="1">
+                  <a:lnSpc>
+                    <a:spcPct val="90000"/>
+                  </a:lnSpc>
+                  <a:spcBef>
+                    <a:spcPts val="500"/>
+                  </a:spcBef>
+                  <a:buFont typeface="Arial" panose="020B0604020202020204" pitchFamily="34" charset="0"/>
+                  <a:buChar char="•"/>
+                  <a:defRPr sz="1800" kern="1200">
+                    <a:solidFill>
+                      <a:schemeClr val="tx1"/>
+                    </a:solidFill>
+                    <a:latin typeface="+mn-lt"/>
+                    <a:ea typeface="+mn-ea"/>
+                    <a:cs typeface="+mn-cs"/>
+                  </a:defRPr>
+                </a:lvl4pPr>
+                <a:lvl5pPr marL="2057400" indent="-228600" algn="l" defTabSz="914400" rtl="0" eaLnBrk="1" latinLnBrk="0" hangingPunct="1">
+                  <a:lnSpc>
+                    <a:spcPct val="90000"/>
+                  </a:lnSpc>
+                  <a:spcBef>
+                    <a:spcPts val="500"/>
+                  </a:spcBef>
+                  <a:buFont typeface="Arial" panose="020B0604020202020204" pitchFamily="34" charset="0"/>
+                  <a:buChar char="•"/>
+                  <a:defRPr sz="1800" kern="1200">
+                    <a:solidFill>
+                      <a:schemeClr val="tx1"/>
+                    </a:solidFill>
+                    <a:latin typeface="+mn-lt"/>
+                    <a:ea typeface="+mn-ea"/>
+                    <a:cs typeface="+mn-cs"/>
+                  </a:defRPr>
+                </a:lvl5pPr>
+                <a:lvl6pPr marL="2514600" indent="-228600" algn="l" defTabSz="914400" rtl="0" eaLnBrk="1" latinLnBrk="0" hangingPunct="1">
+                  <a:lnSpc>
+                    <a:spcPct val="90000"/>
+                  </a:lnSpc>
+                  <a:spcBef>
+                    <a:spcPts val="500"/>
+                  </a:spcBef>
+                  <a:buFont typeface="Arial" panose="020B0604020202020204" pitchFamily="34" charset="0"/>
+                  <a:buChar char="•"/>
+                  <a:defRPr sz="1800" kern="1200">
+                    <a:solidFill>
+                      <a:schemeClr val="tx1"/>
+                    </a:solidFill>
+                    <a:latin typeface="+mn-lt"/>
+                    <a:ea typeface="+mn-ea"/>
+                    <a:cs typeface="+mn-cs"/>
+                  </a:defRPr>
+                </a:lvl6pPr>
+                <a:lvl7pPr marL="2971800" indent="-228600" algn="l" defTabSz="914400" rtl="0" eaLnBrk="1" latinLnBrk="0" hangingPunct="1">
+                  <a:lnSpc>
+                    <a:spcPct val="90000"/>
+                  </a:lnSpc>
+                  <a:spcBef>
+                    <a:spcPts val="500"/>
+                  </a:spcBef>
+                  <a:buFont typeface="Arial" panose="020B0604020202020204" pitchFamily="34" charset="0"/>
+                  <a:buChar char="•"/>
+                  <a:defRPr sz="1800" kern="1200">
+                    <a:solidFill>
+                      <a:schemeClr val="tx1"/>
+                    </a:solidFill>
+                    <a:latin typeface="+mn-lt"/>
+                    <a:ea typeface="+mn-ea"/>
+                    <a:cs typeface="+mn-cs"/>
+                  </a:defRPr>
+                </a:lvl7pPr>
+                <a:lvl8pPr marL="3429000" indent="-228600" algn="l" defTabSz="914400" rtl="0" eaLnBrk="1" latinLnBrk="0" hangingPunct="1">
+                  <a:lnSpc>
+                    <a:spcPct val="90000"/>
+                  </a:lnSpc>
+                  <a:spcBef>
+                    <a:spcPts val="500"/>
+                  </a:spcBef>
+                  <a:buFont typeface="Arial" panose="020B0604020202020204" pitchFamily="34" charset="0"/>
+                  <a:buChar char="•"/>
+                  <a:defRPr sz="1800" kern="1200">
+                    <a:solidFill>
+                      <a:schemeClr val="tx1"/>
+                    </a:solidFill>
+                    <a:latin typeface="+mn-lt"/>
+                    <a:ea typeface="+mn-ea"/>
+                    <a:cs typeface="+mn-cs"/>
+                  </a:defRPr>
+                </a:lvl8pPr>
+                <a:lvl9pPr marL="3886200" indent="-228600" algn="l" defTabSz="914400" rtl="0" eaLnBrk="1" latinLnBrk="0" hangingPunct="1">
+                  <a:lnSpc>
+                    <a:spcPct val="90000"/>
+                  </a:lnSpc>
+                  <a:spcBef>
+                    <a:spcPts val="500"/>
+                  </a:spcBef>
+                  <a:buFont typeface="Arial" panose="020B0604020202020204" pitchFamily="34" charset="0"/>
+                  <a:buChar char="•"/>
+                  <a:defRPr sz="1800" kern="1200">
+                    <a:solidFill>
+                      <a:schemeClr val="tx1"/>
+                    </a:solidFill>
+                    <a:latin typeface="+mn-lt"/>
+                    <a:ea typeface="+mn-ea"/>
+                    <a:cs typeface="+mn-cs"/>
+                  </a:defRPr>
+                </a:lvl9pPr>
+              </a:lstStyle>
+              <a:p>
+                <a:r>
+                  <a:rPr lang="en-US" sz="2200" dirty="0" smtClean="0"/>
+                  <a:t>Parameter 1:</a:t>
+                </a:r>
+              </a:p>
+              <a:p>
+                <a:pPr lvl="1"/>
+                <a:r>
+                  <a:rPr lang="en-US" sz="1800" dirty="0"/>
+                  <a:t>From SS movement from north to south occurs just for one season (6 months?). rate ~ 0.1</a:t>
+                </a:r>
+              </a:p>
+              <a:p>
+                <a:pPr lvl="2"/>
+                <a14:m>
+                  <m:oMath xmlns:m="http://schemas.openxmlformats.org/officeDocument/2006/math">
+                    <m:r>
+                      <a:rPr lang="en-US" sz="1400" i="1">
+                        <a:latin typeface="Cambria Math" panose="02040503050406030204" pitchFamily="18" charset="0"/>
+                      </a:rPr>
+                      <m:t>𝑃</m:t>
+                    </m:r>
+                    <m:r>
+                      <a:rPr lang="en-US" sz="1400" i="1">
+                        <a:latin typeface="Cambria Math" panose="02040503050406030204" pitchFamily="18" charset="0"/>
+                      </a:rPr>
+                      <m:t>= </m:t>
+                    </m:r>
+                    <m:d>
+                      <m:dPr>
+                        <m:begChr m:val="["/>
+                        <m:endChr m:val="]"/>
+                        <m:ctrlPr>
+                          <a:rPr lang="en-US" sz="1400" i="1">
+                            <a:latin typeface="Cambria Math" panose="02040503050406030204" pitchFamily="18" charset="0"/>
+                          </a:rPr>
+                        </m:ctrlPr>
+                      </m:dPr>
+                      <m:e>
+                        <m:m>
+                          <m:mPr>
+                            <m:mcs>
+                              <m:mc>
+                                <m:mcPr>
+                                  <m:count m:val="2"/>
+                                  <m:mcJc m:val="center"/>
+                                </m:mcPr>
+                              </m:mc>
+                            </m:mcs>
+                            <m:ctrlPr>
+                              <a:rPr lang="en-US" sz="1400" i="1">
+                                <a:latin typeface="Cambria Math" panose="02040503050406030204" pitchFamily="18" charset="0"/>
+                              </a:rPr>
+                            </m:ctrlPr>
+                          </m:mPr>
+                          <m:mr>
+                            <m:e>
+                              <m:r>
+                                <m:rPr>
+                                  <m:brk m:alnAt="7"/>
+                                </m:rPr>
+                                <a:rPr lang="en-US" sz="1400" i="1">
+                                  <a:latin typeface="Cambria Math" panose="02040503050406030204" pitchFamily="18" charset="0"/>
+                                </a:rPr>
+                                <m:t>0</m:t>
+                              </m:r>
+                              <m:r>
+                                <a:rPr lang="en-US" sz="1400" i="1">
+                                  <a:latin typeface="Cambria Math" panose="02040503050406030204" pitchFamily="18" charset="0"/>
+                                </a:rPr>
+                                <m:t>.9</m:t>
+                              </m:r>
+                            </m:e>
+                            <m:e>
+                              <m:r>
+                                <a:rPr lang="en-US" sz="1400" i="1">
+                                  <a:latin typeface="Cambria Math" panose="02040503050406030204" pitchFamily="18" charset="0"/>
+                                </a:rPr>
+                                <m:t>0.1</m:t>
+                              </m:r>
+                            </m:e>
+                          </m:mr>
+                          <m:mr>
+                            <m:e>
+                              <m:r>
+                                <a:rPr lang="en-US" sz="1400" i="1">
+                                  <a:latin typeface="Cambria Math" panose="02040503050406030204" pitchFamily="18" charset="0"/>
+                                </a:rPr>
+                                <m:t>0</m:t>
+                              </m:r>
+                            </m:e>
+                            <m:e>
+                              <m:r>
+                                <a:rPr lang="en-US" sz="1400" i="1">
+                                  <a:latin typeface="Cambria Math" panose="02040503050406030204" pitchFamily="18" charset="0"/>
+                                </a:rPr>
+                                <m:t>1</m:t>
+                              </m:r>
+                            </m:e>
+                          </m:mr>
+                        </m:m>
+                      </m:e>
+                    </m:d>
+                  </m:oMath>
+                </a14:m>
+                <a:endParaRPr lang="en-US" sz="1400" dirty="0"/>
+              </a:p>
+              <a:p>
+                <a:pPr lvl="1"/>
+                <a:r>
+                  <a:rPr lang="en-US" sz="1800" dirty="0"/>
+                  <a:t>Multi-WHAM has this movement occur monthly for five months so we need </a:t>
+                </a:r>
+                <a:endParaRPr lang="en-US" sz="1800" i="1" dirty="0">
+                  <a:latin typeface="Cambria Math" panose="02040503050406030204" pitchFamily="18" charset="0"/>
+                </a:endParaRPr>
+              </a:p>
+              <a:p>
+                <a:pPr lvl="2"/>
+                <a14:m>
+                  <m:oMath xmlns:m="http://schemas.openxmlformats.org/officeDocument/2006/math">
+                    <m:sSub>
+                      <m:sSubPr>
+                        <m:ctrlPr>
+                          <a:rPr lang="en-US" sz="1400" i="1">
+                            <a:latin typeface="Cambria Math" panose="02040503050406030204" pitchFamily="18" charset="0"/>
+                          </a:rPr>
+                        </m:ctrlPr>
+                      </m:sSubPr>
+                      <m:e>
+                        <m:r>
+                          <a:rPr lang="en-US" sz="1400" i="1">
+                            <a:latin typeface="Cambria Math" panose="02040503050406030204" pitchFamily="18" charset="0"/>
+                          </a:rPr>
+                          <m:t>𝑃</m:t>
+                        </m:r>
+                      </m:e>
+                      <m:sub>
+                        <m:r>
+                          <a:rPr lang="en-US" sz="1400" i="1">
+                            <a:latin typeface="Cambria Math" panose="02040503050406030204" pitchFamily="18" charset="0"/>
+                          </a:rPr>
+                          <m:t>𝑚</m:t>
+                        </m:r>
+                      </m:sub>
+                    </m:sSub>
+                    <m:r>
+                      <a:rPr lang="en-US" sz="1400" i="1">
+                        <a:latin typeface="Cambria Math" panose="02040503050406030204" pitchFamily="18" charset="0"/>
+                      </a:rPr>
+                      <m:t>=</m:t>
+                    </m:r>
+                    <m:sSup>
+                      <m:sSupPr>
+                        <m:ctrlPr>
+                          <a:rPr lang="en-US" sz="1400" i="1">
+                            <a:latin typeface="Cambria Math" panose="02040503050406030204" pitchFamily="18" charset="0"/>
+                          </a:rPr>
+                        </m:ctrlPr>
+                      </m:sSupPr>
+                      <m:e>
+                        <m:r>
+                          <a:rPr lang="en-US" sz="1400" i="1">
+                            <a:latin typeface="Cambria Math" panose="02040503050406030204" pitchFamily="18" charset="0"/>
+                          </a:rPr>
+                          <m:t>𝑃</m:t>
+                        </m:r>
+                      </m:e>
+                      <m:sup>
+                        <m:r>
+                          <a:rPr lang="en-US" sz="1400" i="1">
+                            <a:latin typeface="Cambria Math" panose="02040503050406030204" pitchFamily="18" charset="0"/>
+                          </a:rPr>
+                          <m:t>1/5</m:t>
+                        </m:r>
+                      </m:sup>
+                    </m:sSup>
+                    <m:r>
+                      <a:rPr lang="en-US" sz="1400" i="1">
+                        <a:latin typeface="Cambria Math" panose="02040503050406030204" pitchFamily="18" charset="0"/>
+                      </a:rPr>
+                      <m:t>= </m:t>
+                    </m:r>
+                    <m:d>
+                      <m:dPr>
+                        <m:begChr m:val="["/>
+                        <m:endChr m:val="]"/>
+                        <m:ctrlPr>
+                          <a:rPr lang="en-US" sz="1400" i="1">
+                            <a:latin typeface="Cambria Math" panose="02040503050406030204" pitchFamily="18" charset="0"/>
+                          </a:rPr>
+                        </m:ctrlPr>
+                      </m:dPr>
+                      <m:e>
+                        <m:m>
+                          <m:mPr>
+                            <m:mcs>
+                              <m:mc>
+                                <m:mcPr>
+                                  <m:count m:val="2"/>
+                                  <m:mcJc m:val="center"/>
+                                </m:mcPr>
+                              </m:mc>
+                            </m:mcs>
+                            <m:ctrlPr>
+                              <a:rPr lang="en-US" sz="1400" i="1">
+                                <a:latin typeface="Cambria Math" panose="02040503050406030204" pitchFamily="18" charset="0"/>
+                              </a:rPr>
+                            </m:ctrlPr>
+                          </m:mPr>
+                          <m:mr>
+                            <m:e>
+                              <m:r>
+                                <m:rPr>
+                                  <m:brk m:alnAt="7"/>
+                                </m:rPr>
+                                <a:rPr lang="en-US" sz="1400" i="1">
+                                  <a:latin typeface="Cambria Math" panose="02040503050406030204" pitchFamily="18" charset="0"/>
+                                </a:rPr>
+                                <m:t>0</m:t>
+                              </m:r>
+                              <m:r>
+                                <a:rPr lang="en-US" sz="1400" i="1">
+                                  <a:latin typeface="Cambria Math" panose="02040503050406030204" pitchFamily="18" charset="0"/>
+                                </a:rPr>
+                                <m:t>.98</m:t>
+                              </m:r>
+                            </m:e>
+                            <m:e>
+                              <m:r>
+                                <a:rPr lang="en-US" sz="1400" i="1">
+                                  <a:latin typeface="Cambria Math" panose="02040503050406030204" pitchFamily="18" charset="0"/>
+                                </a:rPr>
+                                <m:t>0.02</m:t>
+                              </m:r>
+                            </m:e>
+                          </m:mr>
+                          <m:mr>
+                            <m:e>
+                              <m:r>
+                                <a:rPr lang="en-US" sz="1400" i="1">
+                                  <a:latin typeface="Cambria Math" panose="02040503050406030204" pitchFamily="18" charset="0"/>
+                                </a:rPr>
+                                <m:t>0</m:t>
+                              </m:r>
+                            </m:e>
+                            <m:e>
+                              <m:r>
+                                <a:rPr lang="en-US" sz="1400" i="1">
+                                  <a:latin typeface="Cambria Math" panose="02040503050406030204" pitchFamily="18" charset="0"/>
+                                </a:rPr>
+                                <m:t>1</m:t>
+                              </m:r>
+                            </m:e>
+                          </m:mr>
+                        </m:m>
+                      </m:e>
+                    </m:d>
+                  </m:oMath>
+                </a14:m>
+                <a:endParaRPr lang="en-US" sz="2200" dirty="0" smtClean="0"/>
+              </a:p>
+              <a:p>
+                <a:r>
+                  <a:rPr lang="en-US" sz="2200" dirty="0"/>
+                  <a:t>Parameter 2</a:t>
+                </a:r>
+              </a:p>
+              <a:p>
+                <a:pPr lvl="1"/>
+                <a:r>
+                  <a:rPr lang="en-US" sz="1400" dirty="0"/>
+                  <a:t>Similarly, SS movement from south to north occurs just for one season. Rate ~ 0.78</a:t>
+                </a:r>
+                <a:endParaRPr lang="en-US" sz="1400" i="1" dirty="0">
+                  <a:latin typeface="Cambria Math" panose="02040503050406030204" pitchFamily="18" charset="0"/>
+                </a:endParaRPr>
+              </a:p>
+              <a:p>
+                <a:pPr lvl="2"/>
+                <a14:m>
+                  <m:oMath xmlns:m="http://schemas.openxmlformats.org/officeDocument/2006/math">
+                    <m:r>
+                      <a:rPr lang="en-US" sz="1400" i="1">
+                        <a:latin typeface="Cambria Math" panose="02040503050406030204" pitchFamily="18" charset="0"/>
+                      </a:rPr>
+                      <m:t>𝑃</m:t>
+                    </m:r>
+                    <m:r>
+                      <a:rPr lang="en-US" sz="1400" i="1">
+                        <a:latin typeface="Cambria Math" panose="02040503050406030204" pitchFamily="18" charset="0"/>
+                      </a:rPr>
+                      <m:t>= </m:t>
+                    </m:r>
+                    <m:d>
+                      <m:dPr>
+                        <m:begChr m:val="["/>
+                        <m:endChr m:val="]"/>
+                        <m:ctrlPr>
+                          <a:rPr lang="en-US" sz="1400" i="1">
+                            <a:latin typeface="Cambria Math" panose="02040503050406030204" pitchFamily="18" charset="0"/>
+                          </a:rPr>
+                        </m:ctrlPr>
+                      </m:dPr>
+                      <m:e>
+                        <m:m>
+                          <m:mPr>
+                            <m:mcs>
+                              <m:mc>
+                                <m:mcPr>
+                                  <m:count m:val="2"/>
+                                  <m:mcJc m:val="center"/>
+                                </m:mcPr>
+                              </m:mc>
+                            </m:mcs>
+                            <m:ctrlPr>
+                              <a:rPr lang="en-US" sz="1400" i="1">
+                                <a:latin typeface="Cambria Math" panose="02040503050406030204" pitchFamily="18" charset="0"/>
+                              </a:rPr>
+                            </m:ctrlPr>
+                          </m:mPr>
+                          <m:mr>
+                            <m:e>
+                              <m:r>
+                                <a:rPr lang="en-US" sz="1400" i="1">
+                                  <a:latin typeface="Cambria Math" panose="02040503050406030204" pitchFamily="18" charset="0"/>
+                                </a:rPr>
+                                <m:t>1</m:t>
+                              </m:r>
+                            </m:e>
+                            <m:e>
+                              <m:r>
+                                <a:rPr lang="en-US" sz="1400" i="1">
+                                  <a:latin typeface="Cambria Math" panose="02040503050406030204" pitchFamily="18" charset="0"/>
+                                </a:rPr>
+                                <m:t>0</m:t>
+                              </m:r>
+                            </m:e>
+                          </m:mr>
+                          <m:mr>
+                            <m:e>
+                              <m:r>
+                                <a:rPr lang="en-US" sz="1400" i="1">
+                                  <a:latin typeface="Cambria Math" panose="02040503050406030204" pitchFamily="18" charset="0"/>
+                                </a:rPr>
+                                <m:t>0.78</m:t>
+                              </m:r>
+                            </m:e>
+                            <m:e>
+                              <m:r>
+                                <a:rPr lang="en-US" sz="1400" i="1">
+                                  <a:latin typeface="Cambria Math" panose="02040503050406030204" pitchFamily="18" charset="0"/>
+                                </a:rPr>
+                                <m:t>0.22</m:t>
+                              </m:r>
+                            </m:e>
+                          </m:mr>
+                        </m:m>
+                      </m:e>
+                    </m:d>
+                  </m:oMath>
+                </a14:m>
+                <a:endParaRPr lang="en-US" sz="1400" dirty="0"/>
+              </a:p>
+              <a:p>
+                <a:pPr lvl="2"/>
+                <a:r>
+                  <a:rPr lang="en-US" sz="1400" dirty="0"/>
+                  <a:t>Over 4 months in WHAM: </a:t>
+                </a:r>
+              </a:p>
+              <a:p>
+                <a:pPr lvl="2"/>
+                <a14:m>
+                  <m:oMath xmlns:m="http://schemas.openxmlformats.org/officeDocument/2006/math">
+                    <m:sSub>
+                      <m:sSubPr>
+                        <m:ctrlPr>
+                          <a:rPr lang="en-US" sz="1400" i="1">
+                            <a:latin typeface="Cambria Math" panose="02040503050406030204" pitchFamily="18" charset="0"/>
+                          </a:rPr>
+                        </m:ctrlPr>
+                      </m:sSubPr>
+                      <m:e>
+                        <m:r>
+                          <a:rPr lang="en-US" sz="1400" i="1">
+                            <a:latin typeface="Cambria Math" panose="02040503050406030204" pitchFamily="18" charset="0"/>
+                          </a:rPr>
+                          <m:t>𝑃</m:t>
+                        </m:r>
+                      </m:e>
+                      <m:sub>
+                        <m:r>
+                          <a:rPr lang="en-US" sz="1400" i="1">
+                            <a:latin typeface="Cambria Math" panose="02040503050406030204" pitchFamily="18" charset="0"/>
+                          </a:rPr>
+                          <m:t>𝑚</m:t>
+                        </m:r>
+                      </m:sub>
+                    </m:sSub>
+                    <m:r>
+                      <a:rPr lang="en-US" sz="1400" i="1">
+                        <a:latin typeface="Cambria Math" panose="02040503050406030204" pitchFamily="18" charset="0"/>
+                      </a:rPr>
+                      <m:t>=</m:t>
+                    </m:r>
+                    <m:sSup>
+                      <m:sSupPr>
+                        <m:ctrlPr>
+                          <a:rPr lang="en-US" sz="1400" i="1">
+                            <a:latin typeface="Cambria Math" panose="02040503050406030204" pitchFamily="18" charset="0"/>
+                          </a:rPr>
+                        </m:ctrlPr>
+                      </m:sSupPr>
+                      <m:e>
+                        <m:r>
+                          <a:rPr lang="en-US" sz="1400" i="1">
+                            <a:latin typeface="Cambria Math" panose="02040503050406030204" pitchFamily="18" charset="0"/>
+                          </a:rPr>
+                          <m:t>𝑃</m:t>
+                        </m:r>
+                      </m:e>
+                      <m:sup>
+                        <m:r>
+                          <a:rPr lang="en-US" sz="1400" i="1">
+                            <a:latin typeface="Cambria Math" panose="02040503050406030204" pitchFamily="18" charset="0"/>
+                          </a:rPr>
+                          <m:t>1/</m:t>
+                        </m:r>
+                        <m:r>
+                          <a:rPr lang="en-US" sz="1400" i="1">
+                            <a:latin typeface="Cambria Math" panose="02040503050406030204" pitchFamily="18" charset="0"/>
+                          </a:rPr>
+                          <m:t>4</m:t>
+                        </m:r>
+                      </m:sup>
+                    </m:sSup>
+                    <m:r>
+                      <a:rPr lang="en-US" sz="1400" i="1">
+                        <a:latin typeface="Cambria Math" panose="02040503050406030204" pitchFamily="18" charset="0"/>
+                      </a:rPr>
+                      <m:t>= </m:t>
+                    </m:r>
+                    <m:d>
+                      <m:dPr>
+                        <m:begChr m:val="["/>
+                        <m:endChr m:val="]"/>
+                        <m:ctrlPr>
+                          <a:rPr lang="en-US" sz="1400" i="1">
+                            <a:latin typeface="Cambria Math" panose="02040503050406030204" pitchFamily="18" charset="0"/>
+                          </a:rPr>
+                        </m:ctrlPr>
+                      </m:dPr>
+                      <m:e>
+                        <m:m>
+                          <m:mPr>
+                            <m:mcs>
+                              <m:mc>
+                                <m:mcPr>
+                                  <m:count m:val="2"/>
+                                  <m:mcJc m:val="center"/>
+                                </m:mcPr>
+                              </m:mc>
+                            </m:mcs>
+                            <m:ctrlPr>
+                              <a:rPr lang="en-US" sz="1400" i="1">
+                                <a:latin typeface="Cambria Math" panose="02040503050406030204" pitchFamily="18" charset="0"/>
+                              </a:rPr>
+                            </m:ctrlPr>
+                          </m:mPr>
+                          <m:mr>
+                            <m:e>
+                              <m:r>
+                                <a:rPr lang="en-US" sz="1400" i="1">
+                                  <a:latin typeface="Cambria Math" panose="02040503050406030204" pitchFamily="18" charset="0"/>
+                                </a:rPr>
+                                <m:t>1</m:t>
+                              </m:r>
+                            </m:e>
+                            <m:e>
+                              <m:r>
+                                <a:rPr lang="en-US" sz="1400" i="1">
+                                  <a:latin typeface="Cambria Math" panose="02040503050406030204" pitchFamily="18" charset="0"/>
+                                </a:rPr>
+                                <m:t>0</m:t>
+                              </m:r>
+                            </m:e>
+                          </m:mr>
+                          <m:mr>
+                            <m:e>
+                              <m:r>
+                                <a:rPr lang="en-US" sz="1400" i="1">
+                                  <a:latin typeface="Cambria Math" panose="02040503050406030204" pitchFamily="18" charset="0"/>
+                                </a:rPr>
+                                <m:t>0.31</m:t>
+                              </m:r>
+                            </m:e>
+                            <m:e>
+                              <m:r>
+                                <a:rPr lang="en-US" sz="1400" i="1">
+                                  <a:latin typeface="Cambria Math" panose="02040503050406030204" pitchFamily="18" charset="0"/>
+                                </a:rPr>
+                                <m:t>0.69</m:t>
+                              </m:r>
+                            </m:e>
+                          </m:mr>
+                        </m:m>
+                      </m:e>
+                    </m:d>
+                  </m:oMath>
+                </a14:m>
+                <a:endParaRPr lang="en-US" sz="1400" dirty="0"/>
+              </a:p>
+              <a:p>
+                <a:r>
+                  <a:rPr lang="en-US" sz="2200" dirty="0" smtClean="0"/>
+                  <a:t>Parameters are fixed at these values (0.02 and 0.31) in run 29 </a:t>
+                </a:r>
+              </a:p>
+              <a:p>
+                <a:pPr lvl="1"/>
+                <a:endParaRPr lang="en-US" sz="1800" dirty="0" smtClean="0"/>
+              </a:p>
+              <a:p>
+                <a:pPr marL="457200" lvl="1" indent="0">
+                  <a:buFont typeface="Arial" panose="020B0604020202020204" pitchFamily="34" charset="0"/>
+                  <a:buNone/>
+                </a:pPr>
+                <a:endParaRPr lang="en-US" sz="2200" dirty="0" smtClean="0"/>
+              </a:p>
+              <a:p>
+                <a:pPr marL="457200" lvl="1" indent="0">
+                  <a:buFont typeface="Arial" panose="020B0604020202020204" pitchFamily="34" charset="0"/>
+                  <a:buNone/>
+                </a:pPr>
+                <a:endParaRPr lang="en-US" sz="2200" dirty="0" smtClean="0"/>
+              </a:p>
+              <a:p>
+                <a:endParaRPr lang="en-US" sz="2200" dirty="0" smtClean="0"/>
+              </a:p>
+              <a:p>
+                <a:endParaRPr lang="en-US" sz="2200" dirty="0" smtClean="0"/>
+              </a:p>
+              <a:p>
+                <a:endParaRPr lang="en-US" sz="2200" dirty="0"/>
+              </a:p>
+            </p:txBody>
+          </p:sp>
+        </mc:Choice>
+        <mc:Fallback>
+          <p:sp>
+            <p:nvSpPr>
+              <p:cNvPr id="5" name="Content Placeholder 2"/>
+              <p:cNvSpPr txBox="1">
+                <a:spLocks noRot="1" noChangeAspect="1" noMove="1" noResize="1" noEditPoints="1" noAdjustHandles="1" noChangeArrowheads="1" noChangeShapeType="1" noTextEdit="1"/>
+              </p:cNvSpPr>
+              <p:nvPr/>
+            </p:nvSpPr>
+            <p:spPr>
+              <a:xfrm>
+                <a:off x="838199" y="1748593"/>
+                <a:ext cx="10840453" cy="2687054"/>
+              </a:xfrm>
+              <a:prstGeom prst="rect">
+                <a:avLst/>
+              </a:prstGeom>
+              <a:blipFill>
+                <a:blip r:embed="rId2"/>
+                <a:stretch>
+                  <a:fillRect l="-618" t="-2948" b="-50340"/>
+                </a:stretch>
+              </a:blipFill>
+            </p:spPr>
+            <p:txBody>
+              <a:bodyPr/>
+              <a:lstStyle/>
+              <a:p>
+                <a:r>
+                  <a:rPr lang="en-US">
+                    <a:noFill/>
+                  </a:rPr>
+                  <a:t> </a:t>
+                </a:r>
+              </a:p>
+            </p:txBody>
+          </p:sp>
+        </mc:Fallback>
+      </mc:AlternateContent>
+    </p:spTree>
+    <p:extLst>
+      <p:ext uri="{BB962C8B-B14F-4D97-AF65-F5344CB8AC3E}">
+        <p14:creationId xmlns:p14="http://schemas.microsoft.com/office/powerpoint/2010/main" val="3718880459"/>
+      </p:ext>
+    </p:extLst>
+  </p:cSld>
+  <p:clrMapOvr>
+    <a:masterClrMapping/>
+  </p:clrMapOvr>
+</p:sld>
+</file>
+
+<file path=ppt/slides/slide5.xml><?xml version="1.0" encoding="utf-8"?>
+<p:sld xmlns:a="http://schemas.openxmlformats.org/drawingml/2006/main" xmlns:r="http://schemas.openxmlformats.org/officeDocument/2006/relationships" xmlns:p="http://schemas.openxmlformats.org/presentationml/2006/main">
+  <p:cSld>
+    <p:spTree>
+      <p:nvGrpSpPr>
+        <p:cNvPr id="1" name=""/>
+        <p:cNvGrpSpPr/>
+        <p:nvPr/>
+      </p:nvGrpSpPr>
+      <p:grpSpPr>
+        <a:xfrm>
+          <a:off x="0" y="0"/>
+          <a:ext cx="0" cy="0"/>
+          <a:chOff x="0" y="0"/>
+          <a:chExt cx="0" cy="0"/>
+        </a:xfrm>
+      </p:grpSpPr>
+      <p:sp>
+        <p:nvSpPr>
+          <p:cNvPr id="2" name="Title 1"/>
+          <p:cNvSpPr>
+            <a:spLocks noGrp="1"/>
+          </p:cNvSpPr>
+          <p:nvPr>
+            <p:ph type="title"/>
+          </p:nvPr>
+        </p:nvSpPr>
         <p:spPr>
           <a:xfrm>
             <a:off x="200297" y="365125"/>
@@ -3320,8 +4461,28 @@
             <a:pPr lvl="1"/>
             <a:r>
               <a:rPr lang="en-US" sz="2200" dirty="0" smtClean="0"/>
-              <a:t>All other fishing fleets = logistic-normal (but some exclude zeros, and some use AR1 process to smooth over zeros)</a:t>
-            </a:r>
+              <a:t>All other fishing fleets = </a:t>
+            </a:r>
+            <a:r>
+              <a:rPr lang="en-US" sz="2200" dirty="0" smtClean="0"/>
+              <a:t>logistic-normal</a:t>
+            </a:r>
+          </a:p>
+          <a:p>
+            <a:pPr lvl="2"/>
+            <a:r>
+              <a:rPr lang="en-US" sz="1800" dirty="0"/>
+              <a:t>S</a:t>
+            </a:r>
+            <a:r>
+              <a:rPr lang="en-US" sz="1800" dirty="0" smtClean="0"/>
+              <a:t>outhern fleets</a:t>
+            </a:r>
+            <a:r>
+              <a:rPr lang="en-US" sz="1800" dirty="0" smtClean="0"/>
+              <a:t> estimate AR1 correlation parameter</a:t>
+            </a:r>
+            <a:endParaRPr lang="en-US" sz="1800" dirty="0" smtClean="0"/>
           </a:p>
           <a:p>
             <a:pPr lvl="1"/>
@@ -3342,9 +4503,24 @@
             <a:pPr lvl="1"/>
             <a:r>
               <a:rPr lang="en-US" sz="2200" dirty="0" smtClean="0"/>
-              <a:t>All other indices = logistic-normal </a:t>
-            </a:r>
-            <a:endParaRPr lang="en-US" sz="2200" dirty="0" smtClean="0"/>
+              <a:t>All other indices = </a:t>
+            </a:r>
+            <a:r>
+              <a:rPr lang="en-US" sz="2200" dirty="0" smtClean="0"/>
+              <a:t>logistic-normal</a:t>
+            </a:r>
+          </a:p>
+          <a:p>
+            <a:pPr lvl="2"/>
+            <a:r>
+              <a:rPr lang="en-US" sz="1800" dirty="0" smtClean="0"/>
+              <a:t>Southern indices estimate AR1 correlation parameter</a:t>
+            </a:r>
+            <a:r>
+              <a:rPr lang="en-US" sz="1800" dirty="0" smtClean="0"/>
+              <a:t> </a:t>
+            </a:r>
+            <a:endParaRPr lang="en-US" sz="1800" dirty="0" smtClean="0"/>
           </a:p>
           <a:p>
             <a:r>
@@ -3401,15 +4577,29 @@
             <a:pPr lvl="2"/>
             <a:r>
               <a:rPr lang="en-US" sz="2200" dirty="0" smtClean="0"/>
-              <a:t>North Rec CPA: ar1_y (AR1 by year)</a:t>
-            </a:r>
+              <a:t>North Rec CPA: ar1_y (AR1 by year</a:t>
+            </a:r>
+            <a:r>
+              <a:rPr lang="en-US" sz="2200" dirty="0" smtClean="0"/>
+              <a:t>) (just age 1)</a:t>
+            </a:r>
+            <a:endParaRPr lang="en-US" sz="2200" dirty="0" smtClean="0"/>
           </a:p>
           <a:p>
             <a:pPr lvl="2"/>
             <a:r>
               <a:rPr lang="en-US" sz="2200" dirty="0" smtClean="0"/>
-              <a:t>North VAST: 2dar1</a:t>
-            </a:r>
+              <a:t>North VAST: </a:t>
+            </a:r>
+            <a:r>
+              <a:rPr lang="en-US" sz="2200" dirty="0"/>
+              <a:t>2dar1 (AR1 across both ages and years</a:t>
+            </a:r>
+            <a:r>
+              <a:rPr lang="en-US" sz="2200" dirty="0" smtClean="0"/>
+              <a:t>)</a:t>
+            </a:r>
+            <a:endParaRPr lang="en-US" sz="2200" dirty="0" smtClean="0"/>
           </a:p>
           <a:p>
             <a:pPr lvl="2"/>
@@ -3465,7 +4655,7 @@
 </p:sld>
 </file>
 
-<file path=ppt/slides/slide4.xml><?xml version="1.0" encoding="utf-8"?>
+<file path=ppt/slides/slide6.xml><?xml version="1.0" encoding="utf-8"?>
 <p:sld xmlns:a="http://schemas.openxmlformats.org/drawingml/2006/main" xmlns:r="http://schemas.openxmlformats.org/officeDocument/2006/relationships" xmlns:p="http://schemas.openxmlformats.org/presentationml/2006/main">
   <p:cSld>
     <p:spTree>
@@ -3553,8 +4743,32 @@
                   <a:srgbClr val="FF0000"/>
                 </a:solidFill>
               </a:rPr>
-              <a:t>SSB40%: Based on weighted sum of the regions based on average recruitment</a:t>
-            </a:r>
+              <a:t>SSB40%: Based on weighted sum of the regions based on average </a:t>
+            </a:r>
+            <a:r>
+              <a:rPr lang="en-US" sz="2200" dirty="0" smtClean="0">
+                <a:solidFill>
+                  <a:srgbClr val="FF0000"/>
+                </a:solidFill>
+              </a:rPr>
+              <a:t>recruitment</a:t>
+            </a:r>
+          </a:p>
+          <a:p>
+            <a:pPr lvl="1"/>
+            <a:r>
+              <a:rPr lang="en-US" sz="1800" dirty="0" smtClean="0">
+                <a:solidFill>
+                  <a:srgbClr val="FF0000"/>
+                </a:solidFill>
+              </a:rPr>
+              <a:t>Alternative weighting possible (user-provided, not all years of recruitment)</a:t>
+            </a:r>
+            <a:endParaRPr lang="en-US" sz="1800" dirty="0" smtClean="0">
+              <a:solidFill>
+                <a:srgbClr val="FF0000"/>
+              </a:solidFill>
+            </a:endParaRPr>
           </a:p>
           <a:p>
             <a:pPr marL="230188" lvl="1"/>
@@ -3563,8 +4777,8 @@
               <a:t>5-year averages for selectivity, WAA, </a:t>
             </a:r>
             <a:r>
-              <a:rPr lang="en-US" sz="2200" dirty="0" err="1" smtClean="0"/>
-              <a:t>etc</a:t>
+              <a:rPr lang="en-US" sz="2200" dirty="0" smtClean="0"/>
+              <a:t>etc.</a:t>
             </a:r>
             <a:endParaRPr lang="en-US" sz="2200" dirty="0" smtClean="0"/>
           </a:p>
@@ -3611,7 +4825,7 @@
 </p:sld>
 </file>
 
-<file path=ppt/slides/slide5.xml><?xml version="1.0" encoding="utf-8"?>
+<file path=ppt/slides/slide7.xml><?xml version="1.0" encoding="utf-8"?>
 <p:sld xmlns:a="http://schemas.openxmlformats.org/drawingml/2006/main" xmlns:r="http://schemas.openxmlformats.org/officeDocument/2006/relationships" xmlns:p="http://schemas.openxmlformats.org/presentationml/2006/main">
   <p:cSld>
     <p:spTree>
@@ -3914,8 +5128,13 @@
             <a:pPr lvl="1"/>
             <a:r>
               <a:rPr lang="en-US" sz="1800" dirty="0" smtClean="0"/>
-              <a:t>Year 1: Interim catch</a:t>
-            </a:r>
+              <a:t>Year 1: Interim </a:t>
+            </a:r>
+            <a:r>
+              <a:rPr lang="en-US" sz="1800" dirty="0" smtClean="0"/>
+              <a:t>catch (set to 10kmt in projection run)</a:t>
+            </a:r>
+            <a:endParaRPr lang="en-US" sz="1800" dirty="0" smtClean="0"/>
           </a:p>
           <a:p>
             <a:pPr lvl="1"/>
@@ -3930,10 +5149,36 @@
               <a:t>5-year averages for selectivity, WAA, </a:t>
             </a:r>
             <a:r>
-              <a:rPr lang="en-US" sz="2200" dirty="0" err="1"/>
+              <a:rPr lang="en-US" sz="2200" dirty="0" err="1" smtClean="0"/>
               <a:t>etc</a:t>
             </a:r>
             <a:endParaRPr lang="en-US" sz="2200" dirty="0" smtClean="0"/>
+          </a:p>
+          <a:p>
+            <a:pPr lvl="1"/>
+            <a:r>
+              <a:rPr lang="en-US" sz="1800" dirty="0" err="1" smtClean="0"/>
+              <a:t>iid</a:t>
+            </a:r>
+            <a:r>
+              <a:rPr lang="en-US" sz="1800" dirty="0" smtClean="0"/>
+              <a:t> assumption for survival and recruitment make deviations zero in projections</a:t>
+            </a:r>
+          </a:p>
+          <a:p>
+            <a:pPr lvl="1"/>
+            <a:r>
+              <a:rPr lang="en-US" sz="1800" dirty="0" smtClean="0"/>
+              <a:t>Predictions then are deterministic application of Baranov equations like traditional SCAA</a:t>
+            </a:r>
+          </a:p>
+          <a:p>
+            <a:pPr lvl="1"/>
+            <a:r>
+              <a:rPr lang="en-US" sz="1800" dirty="0" smtClean="0"/>
+              <a:t>BUT uncertainty in projected RE is propagated.</a:t>
+            </a:r>
+            <a:endParaRPr lang="en-US" sz="1800" dirty="0" smtClean="0"/>
           </a:p>
           <a:p>
             <a:pPr marL="457200" lvl="1" indent="0">
@@ -3980,7 +5225,7 @@
 </p:sld>
 </file>
 
-<file path=ppt/slides/slide6.xml><?xml version="1.0" encoding="utf-8"?>
+<file path=ppt/slides/slide8.xml><?xml version="1.0" encoding="utf-8"?>
 <p:sld xmlns:a="http://schemas.openxmlformats.org/drawingml/2006/main" xmlns:r="http://schemas.openxmlformats.org/officeDocument/2006/relationships" xmlns:p="http://schemas.openxmlformats.org/presentationml/2006/main">
   <p:cSld>
     <p:spTree>
@@ -4042,7 +5287,6 @@
               <a:rPr lang="en-US" sz="3200" dirty="0" smtClean="0"/>
               <a:t>North</a:t>
             </a:r>
-            <a:endParaRPr lang="en-US" sz="3200" dirty="0" smtClean="0"/>
           </a:p>
         </p:txBody>
       </p:sp>
@@ -4529,7 +5773,7 @@
 </p:sld>
 </file>
 
-<file path=ppt/slides/slide7.xml><?xml version="1.0" encoding="utf-8"?>
+<file path=ppt/slides/slide9.xml><?xml version="1.0" encoding="utf-8"?>
 <p:sld xmlns:a="http://schemas.openxmlformats.org/drawingml/2006/main" xmlns:r="http://schemas.openxmlformats.org/officeDocument/2006/relationships" xmlns:p="http://schemas.openxmlformats.org/presentationml/2006/main">
   <p:cSld>
     <p:spTree>
@@ -4591,7 +5835,6 @@
               <a:rPr lang="en-US" sz="3200" dirty="0" smtClean="0"/>
               <a:t>South</a:t>
             </a:r>
-            <a:endParaRPr lang="en-US" sz="3200" dirty="0" smtClean="0"/>
           </a:p>
         </p:txBody>
       </p:sp>
